--- a/clases/Cap02_Extraccion_de_Caracteristicas/presentations/PAT02_Gabor.pptx
+++ b/clases/Cap02_Extraccion_de_Caracteristicas/presentations/PAT02_Gabor.pptx
@@ -226,7 +226,7 @@
             <a:fld id="{6331132F-6757-456E-A169-DFC25AF282F4}" type="datetimeFigureOut">
               <a:rPr lang="es-CL" smtClean="0"/>
               <a:pPr/>
-              <a:t>22-03-18</a:t>
+              <a:t>07-03-19</a:t>
             </a:fld>
             <a:endParaRPr lang="es-CL"/>
           </a:p>
@@ -767,7 +767,7 @@
             <a:fld id="{CBB330BB-3945-4562-998B-13630C30D4E7}" type="datetimeFigureOut">
               <a:rPr lang="es-CL" smtClean="0"/>
               <a:pPr/>
-              <a:t>22-03-18</a:t>
+              <a:t>07-03-19</a:t>
             </a:fld>
             <a:endParaRPr lang="es-CL"/>
           </a:p>
@@ -934,7 +934,7 @@
             <a:fld id="{CBB330BB-3945-4562-998B-13630C30D4E7}" type="datetimeFigureOut">
               <a:rPr lang="es-CL" smtClean="0"/>
               <a:pPr/>
-              <a:t>22-03-18</a:t>
+              <a:t>07-03-19</a:t>
             </a:fld>
             <a:endParaRPr lang="es-CL"/>
           </a:p>
@@ -1111,7 +1111,7 @@
             <a:fld id="{CBB330BB-3945-4562-998B-13630C30D4E7}" type="datetimeFigureOut">
               <a:rPr lang="es-CL" smtClean="0"/>
               <a:pPr/>
-              <a:t>22-03-18</a:t>
+              <a:t>07-03-19</a:t>
             </a:fld>
             <a:endParaRPr lang="es-CL"/>
           </a:p>
@@ -1278,7 +1278,7 @@
             <a:fld id="{CBB330BB-3945-4562-998B-13630C30D4E7}" type="datetimeFigureOut">
               <a:rPr lang="es-CL" smtClean="0"/>
               <a:pPr/>
-              <a:t>22-03-18</a:t>
+              <a:t>07-03-19</a:t>
             </a:fld>
             <a:endParaRPr lang="es-CL"/>
           </a:p>
@@ -1521,7 +1521,7 @@
             <a:fld id="{CBB330BB-3945-4562-998B-13630C30D4E7}" type="datetimeFigureOut">
               <a:rPr lang="es-CL" smtClean="0"/>
               <a:pPr/>
-              <a:t>22-03-18</a:t>
+              <a:t>07-03-19</a:t>
             </a:fld>
             <a:endParaRPr lang="es-CL"/>
           </a:p>
@@ -1806,7 +1806,7 @@
             <a:fld id="{CBB330BB-3945-4562-998B-13630C30D4E7}" type="datetimeFigureOut">
               <a:rPr lang="es-CL" smtClean="0"/>
               <a:pPr/>
-              <a:t>22-03-18</a:t>
+              <a:t>07-03-19</a:t>
             </a:fld>
             <a:endParaRPr lang="es-CL"/>
           </a:p>
@@ -2225,7 +2225,7 @@
             <a:fld id="{CBB330BB-3945-4562-998B-13630C30D4E7}" type="datetimeFigureOut">
               <a:rPr lang="es-CL" smtClean="0"/>
               <a:pPr/>
-              <a:t>22-03-18</a:t>
+              <a:t>07-03-19</a:t>
             </a:fld>
             <a:endParaRPr lang="es-CL"/>
           </a:p>
@@ -2340,7 +2340,7 @@
             <a:fld id="{CBB330BB-3945-4562-998B-13630C30D4E7}" type="datetimeFigureOut">
               <a:rPr lang="es-CL" smtClean="0"/>
               <a:pPr/>
-              <a:t>22-03-18</a:t>
+              <a:t>07-03-19</a:t>
             </a:fld>
             <a:endParaRPr lang="es-CL"/>
           </a:p>
@@ -2432,7 +2432,7 @@
             <a:fld id="{CBB330BB-3945-4562-998B-13630C30D4E7}" type="datetimeFigureOut">
               <a:rPr lang="es-CL" smtClean="0"/>
               <a:pPr/>
-              <a:t>22-03-18</a:t>
+              <a:t>07-03-19</a:t>
             </a:fld>
             <a:endParaRPr lang="es-CL"/>
           </a:p>
@@ -2706,7 +2706,7 @@
             <a:fld id="{CBB330BB-3945-4562-998B-13630C30D4E7}" type="datetimeFigureOut">
               <a:rPr lang="es-CL" smtClean="0"/>
               <a:pPr/>
-              <a:t>22-03-18</a:t>
+              <a:t>07-03-19</a:t>
             </a:fld>
             <a:endParaRPr lang="es-CL"/>
           </a:p>
@@ -2956,7 +2956,7 @@
             <a:fld id="{CBB330BB-3945-4562-998B-13630C30D4E7}" type="datetimeFigureOut">
               <a:rPr lang="es-CL" smtClean="0"/>
               <a:pPr/>
-              <a:t>22-03-18</a:t>
+              <a:t>07-03-19</a:t>
             </a:fld>
             <a:endParaRPr lang="es-CL"/>
           </a:p>
@@ -3166,7 +3166,7 @@
             <a:fld id="{CBB330BB-3945-4562-998B-13630C30D4E7}" type="datetimeFigureOut">
               <a:rPr lang="es-CL" smtClean="0"/>
               <a:pPr/>
-              <a:t>22-03-18</a:t>
+              <a:t>07-03-19</a:t>
             </a:fld>
             <a:endParaRPr lang="es-CL"/>
           </a:p>
@@ -3949,29 +3949,7 @@
                 </a:solidFill>
                 <a:latin typeface="Trebuchet MS" pitchFamily="34" charset="0"/>
               </a:rPr>
-              <a:t>Universidad </a:t>
-            </a:r>
-            <a:r>
-              <a:rPr lang="es-CL" sz="1200" dirty="0" smtClean="0">
-                <a:solidFill>
-                  <a:schemeClr val="bg1">
-                    <a:lumMod val="75000"/>
-                  </a:schemeClr>
-                </a:solidFill>
-                <a:latin typeface="Trebuchet MS" pitchFamily="34" charset="0"/>
-              </a:rPr>
-              <a:t>Católica de </a:t>
-            </a:r>
-            <a:r>
-              <a:rPr lang="es-CL" sz="1200" dirty="0" smtClean="0">
-                <a:solidFill>
-                  <a:schemeClr val="bg1">
-                    <a:lumMod val="75000"/>
-                  </a:schemeClr>
-                </a:solidFill>
-                <a:latin typeface="Trebuchet MS" pitchFamily="34" charset="0"/>
-              </a:rPr>
-              <a:t>Chile</a:t>
+              <a:t>Universidad Católica de Chile</a:t>
             </a:r>
             <a:endParaRPr lang="es-CL" sz="1200" dirty="0">
               <a:solidFill>
@@ -3984,28 +3962,6 @@
           </a:p>
           <a:p>
             <a:pPr algn="ctr"/>
-            <a:r>
-              <a:rPr lang="es-CL" sz="1200" dirty="0" smtClean="0">
-                <a:solidFill>
-                  <a:schemeClr val="bg1">
-                    <a:lumMod val="75000"/>
-                  </a:schemeClr>
-                </a:solidFill>
-                <a:latin typeface="Trebuchet MS" pitchFamily="34" charset="0"/>
-              </a:rPr>
-              <a:t>Semestre </a:t>
-            </a:r>
-            <a:r>
-              <a:rPr lang="es-CL" sz="1200" dirty="0" smtClean="0">
-                <a:solidFill>
-                  <a:schemeClr val="bg1">
-                    <a:lumMod val="75000"/>
-                  </a:schemeClr>
-                </a:solidFill>
-                <a:latin typeface="Trebuchet MS" pitchFamily="34" charset="0"/>
-              </a:rPr>
-              <a:t>2018-1</a:t>
-            </a:r>
             <a:endParaRPr lang="en-US" sz="1200" dirty="0">
               <a:solidFill>
                 <a:schemeClr val="bg1">
@@ -5106,7 +5062,7 @@
           <a:graphicData uri="http://schemas.openxmlformats.org/presentationml/2006/ole">
             <mc:AlternateContent xmlns:mc="http://schemas.openxmlformats.org/markup-compatibility/2006">
               <mc:Choice xmlns:v="urn:schemas-microsoft-com:vml" Requires="v">
-                <p:oleObj spid="_x0000_s6155" name="Fotografía de Photo Editor" r:id="rId3" imgW="9333333" imgH="3038095" progId="">
+                <p:oleObj spid="_x0000_s6157" name="Fotografía de Photo Editor" r:id="rId3" imgW="9333333" imgH="3038095" progId="">
                   <p:embed/>
                 </p:oleObj>
               </mc:Choice>
@@ -5149,14 +5105,14 @@
                       <a:effectLst/>
                       <a:extLst>
                         <a:ext uri="{909E8E84-426E-40dd-AFC4-6F175D3DCCD1}">
-                          <a14:hiddenFill xmlns="" xmlns:a14="http://schemas.microsoft.com/office/drawing/2010/main">
+                          <a14:hiddenFill xmlns:a14="http://schemas.microsoft.com/office/drawing/2010/main" xmlns="">
                             <a:solidFill>
                               <a:schemeClr val="accent1"/>
                             </a:solidFill>
                           </a14:hiddenFill>
                         </a:ext>
                         <a:ext uri="{91240B29-F687-4f45-9708-019B960494DF}">
-                          <a14:hiddenLine xmlns="" xmlns:a14="http://schemas.microsoft.com/office/drawing/2010/main" w="9525">
+                          <a14:hiddenLine xmlns:a14="http://schemas.microsoft.com/office/drawing/2010/main" xmlns="" w="9525">
                             <a:solidFill>
                               <a:schemeClr val="tx1"/>
                             </a:solidFill>
@@ -5166,7 +5122,7 @@
                           </a14:hiddenLine>
                         </a:ext>
                         <a:ext uri="{AF507438-7753-43e0-B8FC-AC1667EBCBE1}">
-                          <a14:hiddenEffects xmlns="" xmlns:a14="http://schemas.microsoft.com/office/drawing/2010/main">
+                          <a14:hiddenEffects xmlns:a14="http://schemas.microsoft.com/office/drawing/2010/main" xmlns="">
                             <a:effectLst>
                               <a:outerShdw blurRad="63500" dist="38099" dir="2700000" algn="ctr" rotWithShape="0">
                                 <a:schemeClr val="bg2">
@@ -5373,7 +5329,7 @@
           <a:graphicData uri="http://schemas.openxmlformats.org/presentationml/2006/ole">
             <mc:AlternateContent xmlns:mc="http://schemas.openxmlformats.org/markup-compatibility/2006">
               <mc:Choice xmlns:v="urn:schemas-microsoft-com:vml" Requires="v">
-                <p:oleObj spid="_x0000_s7179" name="Fotografía de Photo Editor" r:id="rId3" imgW="9609524" imgH="3134162" progId="">
+                <p:oleObj spid="_x0000_s7181" name="Fotografía de Photo Editor" r:id="rId3" imgW="9609524" imgH="3134162" progId="">
                   <p:embed/>
                 </p:oleObj>
               </mc:Choice>
@@ -5416,14 +5372,14 @@
                       <a:effectLst/>
                       <a:extLst>
                         <a:ext uri="{909E8E84-426E-40dd-AFC4-6F175D3DCCD1}">
-                          <a14:hiddenFill xmlns="" xmlns:a14="http://schemas.microsoft.com/office/drawing/2010/main">
+                          <a14:hiddenFill xmlns:a14="http://schemas.microsoft.com/office/drawing/2010/main" xmlns="">
                             <a:solidFill>
                               <a:schemeClr val="accent1"/>
                             </a:solidFill>
                           </a14:hiddenFill>
                         </a:ext>
                         <a:ext uri="{91240B29-F687-4f45-9708-019B960494DF}">
-                          <a14:hiddenLine xmlns="" xmlns:a14="http://schemas.microsoft.com/office/drawing/2010/main" w="9525">
+                          <a14:hiddenLine xmlns:a14="http://schemas.microsoft.com/office/drawing/2010/main" xmlns="" w="9525">
                             <a:solidFill>
                               <a:schemeClr val="tx1"/>
                             </a:solidFill>
@@ -5433,7 +5389,7 @@
                           </a14:hiddenLine>
                         </a:ext>
                         <a:ext uri="{AF507438-7753-43e0-B8FC-AC1667EBCBE1}">
-                          <a14:hiddenEffects xmlns="" xmlns:a14="http://schemas.microsoft.com/office/drawing/2010/main">
+                          <a14:hiddenEffects xmlns:a14="http://schemas.microsoft.com/office/drawing/2010/main" xmlns="">
                             <a:effectLst>
                               <a:outerShdw blurRad="63500" dist="38099" dir="2700000" algn="ctr" rotWithShape="0">
                                 <a:schemeClr val="bg2">
@@ -5945,7 +5901,7 @@
           <a:graphicData uri="http://schemas.openxmlformats.org/presentationml/2006/ole">
             <mc:AlternateContent xmlns:mc="http://schemas.openxmlformats.org/markup-compatibility/2006">
               <mc:Choice xmlns:v="urn:schemas-microsoft-com:vml" Requires="v">
-                <p:oleObj spid="_x0000_s8203" name="Fotografía de Photo Editor" r:id="rId3" imgW="6392167" imgH="2048161" progId="">
+                <p:oleObj spid="_x0000_s8205" name="Fotografía de Photo Editor" r:id="rId3" imgW="6392167" imgH="2048161" progId="">
                   <p:embed/>
                 </p:oleObj>
               </mc:Choice>
@@ -5988,14 +5944,14 @@
                       <a:effectLst/>
                       <a:extLst>
                         <a:ext uri="{909E8E84-426E-40dd-AFC4-6F175D3DCCD1}">
-                          <a14:hiddenFill xmlns="" xmlns:a14="http://schemas.microsoft.com/office/drawing/2010/main">
+                          <a14:hiddenFill xmlns:a14="http://schemas.microsoft.com/office/drawing/2010/main" xmlns="">
                             <a:solidFill>
                               <a:schemeClr val="accent1"/>
                             </a:solidFill>
                           </a14:hiddenFill>
                         </a:ext>
                         <a:ext uri="{91240B29-F687-4f45-9708-019B960494DF}">
-                          <a14:hiddenLine xmlns="" xmlns:a14="http://schemas.microsoft.com/office/drawing/2010/main" w="9525">
+                          <a14:hiddenLine xmlns:a14="http://schemas.microsoft.com/office/drawing/2010/main" xmlns="" w="9525">
                             <a:solidFill>
                               <a:schemeClr val="tx1"/>
                             </a:solidFill>
@@ -6005,7 +5961,7 @@
                           </a14:hiddenLine>
                         </a:ext>
                         <a:ext uri="{AF507438-7753-43e0-B8FC-AC1667EBCBE1}">
-                          <a14:hiddenEffects xmlns="" xmlns:a14="http://schemas.microsoft.com/office/drawing/2010/main">
+                          <a14:hiddenEffects xmlns:a14="http://schemas.microsoft.com/office/drawing/2010/main" xmlns="">
                             <a:effectLst>
                               <a:outerShdw blurRad="63500" dist="38099" dir="2700000" algn="ctr" rotWithShape="0">
                                 <a:schemeClr val="bg2">
@@ -6270,7 +6226,7 @@
           <a:graphicData uri="http://schemas.openxmlformats.org/presentationml/2006/ole">
             <mc:AlternateContent xmlns:mc="http://schemas.openxmlformats.org/markup-compatibility/2006">
               <mc:Choice xmlns:v="urn:schemas-microsoft-com:vml" Requires="v">
-                <p:oleObj spid="_x0000_s9227" r:id="rId3" imgW="9504762" imgH="4525007" progId="">
+                <p:oleObj spid="_x0000_s9229" r:id="rId3" imgW="9504762" imgH="4525007" progId="">
                   <p:embed/>
                 </p:oleObj>
               </mc:Choice>
@@ -6309,7 +6265,7 @@
                       <a:noFill/>
                       <a:extLst>
                         <a:ext uri="{909E8E84-426E-40dd-AFC4-6F175D3DCCD1}">
-                          <a14:hiddenFill xmlns="" xmlns:a14="http://schemas.microsoft.com/office/drawing/2010/main">
+                          <a14:hiddenFill xmlns:a14="http://schemas.microsoft.com/office/drawing/2010/main" xmlns="">
                             <a:solidFill>
                               <a:srgbClr val="FFFFFF"/>
                             </a:solidFill>
@@ -7238,7 +7194,7 @@
           <a:graphicData uri="http://schemas.openxmlformats.org/presentationml/2006/ole">
             <mc:AlternateContent xmlns:mc="http://schemas.openxmlformats.org/markup-compatibility/2006">
               <mc:Choice xmlns:v="urn:schemas-microsoft-com:vml" Requires="v">
-                <p:oleObj spid="_x0000_s10251" name="Fotografía de Photo Editor" r:id="rId3" imgW="8257143" imgH="4266667" progId="">
+                <p:oleObj spid="_x0000_s10253" name="Fotografía de Photo Editor" r:id="rId3" imgW="8257143" imgH="4266667" progId="">
                   <p:embed/>
                 </p:oleObj>
               </mc:Choice>
@@ -7281,14 +7237,14 @@
                       <a:effectLst/>
                       <a:extLst>
                         <a:ext uri="{909E8E84-426E-40dd-AFC4-6F175D3DCCD1}">
-                          <a14:hiddenFill xmlns="" xmlns:a14="http://schemas.microsoft.com/office/drawing/2010/main">
+                          <a14:hiddenFill xmlns:a14="http://schemas.microsoft.com/office/drawing/2010/main" xmlns="">
                             <a:solidFill>
                               <a:schemeClr val="accent1"/>
                             </a:solidFill>
                           </a14:hiddenFill>
                         </a:ext>
                         <a:ext uri="{91240B29-F687-4f45-9708-019B960494DF}">
-                          <a14:hiddenLine xmlns="" xmlns:a14="http://schemas.microsoft.com/office/drawing/2010/main" w="9525">
+                          <a14:hiddenLine xmlns:a14="http://schemas.microsoft.com/office/drawing/2010/main" xmlns="" w="9525">
                             <a:solidFill>
                               <a:schemeClr val="tx1"/>
                             </a:solidFill>
@@ -7298,7 +7254,7 @@
                           </a14:hiddenLine>
                         </a:ext>
                         <a:ext uri="{AF507438-7753-43e0-B8FC-AC1667EBCBE1}">
-                          <a14:hiddenEffects xmlns="" xmlns:a14="http://schemas.microsoft.com/office/drawing/2010/main">
+                          <a14:hiddenEffects xmlns:a14="http://schemas.microsoft.com/office/drawing/2010/main" xmlns="">
                             <a:effectLst>
                               <a:outerShdw blurRad="63500" dist="38099" dir="2700000" algn="ctr" rotWithShape="0">
                                 <a:schemeClr val="bg2">
@@ -7918,7 +7874,7 @@
           <a:graphicData uri="http://schemas.openxmlformats.org/presentationml/2006/ole">
             <mc:AlternateContent xmlns:mc="http://schemas.openxmlformats.org/markup-compatibility/2006">
               <mc:Choice xmlns:v="urn:schemas-microsoft-com:vml" Requires="v">
-                <p:oleObj spid="_x0000_s11275" r:id="rId3" imgW="3779838" imgH="1776413" progId="PowerPoint.Show.8">
+                <p:oleObj spid="_x0000_s11277" r:id="rId3" imgW="3779838" imgH="1776413" progId="PowerPoint.Show.8">
                   <p:embed/>
                 </p:oleObj>
               </mc:Choice>
@@ -7957,7 +7913,7 @@
                       <a:noFill/>
                       <a:extLst>
                         <a:ext uri="{909E8E84-426E-40dd-AFC4-6F175D3DCCD1}">
-                          <a14:hiddenFill xmlns="" xmlns:a14="http://schemas.microsoft.com/office/drawing/2010/main">
+                          <a14:hiddenFill xmlns:a14="http://schemas.microsoft.com/office/drawing/2010/main" xmlns="">
                             <a:solidFill>
                               <a:srgbClr val="FFFFFF"/>
                             </a:solidFill>
@@ -60966,7 +60922,7 @@
           <a:graphicData uri="http://schemas.openxmlformats.org/presentationml/2006/ole">
             <mc:AlternateContent xmlns:mc="http://schemas.openxmlformats.org/markup-compatibility/2006">
               <mc:Choice xmlns:v="urn:schemas-microsoft-com:vml" Requires="v">
-                <p:oleObj spid="_x0000_s12299" name="Fotografía de Photo Editor" r:id="rId3" imgW="8888066" imgH="2343477" progId="">
+                <p:oleObj spid="_x0000_s12301" name="Fotografía de Photo Editor" r:id="rId3" imgW="8888066" imgH="2343477" progId="">
                   <p:embed/>
                 </p:oleObj>
               </mc:Choice>
@@ -61009,14 +60965,14 @@
                       <a:effectLst/>
                       <a:extLst>
                         <a:ext uri="{909E8E84-426E-40dd-AFC4-6F175D3DCCD1}">
-                          <a14:hiddenFill xmlns="" xmlns:a14="http://schemas.microsoft.com/office/drawing/2010/main">
+                          <a14:hiddenFill xmlns:a14="http://schemas.microsoft.com/office/drawing/2010/main" xmlns="">
                             <a:solidFill>
                               <a:schemeClr val="accent1"/>
                             </a:solidFill>
                           </a14:hiddenFill>
                         </a:ext>
                         <a:ext uri="{91240B29-F687-4f45-9708-019B960494DF}">
-                          <a14:hiddenLine xmlns="" xmlns:a14="http://schemas.microsoft.com/office/drawing/2010/main" w="9525">
+                          <a14:hiddenLine xmlns:a14="http://schemas.microsoft.com/office/drawing/2010/main" xmlns="" w="9525">
                             <a:solidFill>
                               <a:schemeClr val="tx1"/>
                             </a:solidFill>
@@ -61026,7 +60982,7 @@
                           </a14:hiddenLine>
                         </a:ext>
                         <a:ext uri="{AF507438-7753-43e0-B8FC-AC1667EBCBE1}">
-                          <a14:hiddenEffects xmlns="" xmlns:a14="http://schemas.microsoft.com/office/drawing/2010/main">
+                          <a14:hiddenEffects xmlns:a14="http://schemas.microsoft.com/office/drawing/2010/main" xmlns="">
                             <a:effectLst>
                               <a:outerShdw blurRad="63500" dist="38099" dir="2700000" algn="ctr" rotWithShape="0">
                                 <a:schemeClr val="bg2">
@@ -62756,7 +62712,7 @@
           <a:graphicData uri="http://schemas.openxmlformats.org/presentationml/2006/ole">
             <mc:AlternateContent xmlns:mc="http://schemas.openxmlformats.org/markup-compatibility/2006">
               <mc:Choice xmlns:v="urn:schemas-microsoft-com:vml" Requires="v">
-                <p:oleObj spid="_x0000_s2059" name="Imagen" r:id="rId3" imgW="8343900" imgH="6725412" progId="Word.Picture.8">
+                <p:oleObj spid="_x0000_s2061" name="Imagen" r:id="rId3" imgW="8343900" imgH="6725412" progId="Word.Picture.8">
                   <p:embed/>
                 </p:oleObj>
               </mc:Choice>
@@ -62795,7 +62751,7 @@
                       <a:noFill/>
                       <a:extLst>
                         <a:ext uri="{909E8E84-426E-40dd-AFC4-6F175D3DCCD1}">
-                          <a14:hiddenFill xmlns="" xmlns:a14="http://schemas.microsoft.com/office/drawing/2010/main">
+                          <a14:hiddenFill xmlns:a14="http://schemas.microsoft.com/office/drawing/2010/main" xmlns="">
                             <a:solidFill>
                               <a:srgbClr val="FFFFFF"/>
                             </a:solidFill>
